--- a/Wiki Entry Screenshots.pptx
+++ b/Wiki Entry Screenshots.pptx
@@ -18,6 +18,9 @@
     <p:sldId id="266" r:id="rId12"/>
     <p:sldId id="267" r:id="rId13"/>
     <p:sldId id="268" r:id="rId14"/>
+    <p:sldId id="269" r:id="rId15"/>
+    <p:sldId id="270" r:id="rId16"/>
+    <p:sldId id="271" r:id="rId17"/>
   </p:sldIdLst>
   <p:sldSz cx="12192000" cy="6858000"/>
   <p:notesSz cx="6858000" cy="9144000"/>
@@ -116,13 +119,18 @@
       </a:defRPr>
     </a:lvl9pPr>
   </p:defaultTextStyle>
+  <p:extLst>
+    <p:ext uri="{EFAFB233-063F-42B5-8137-9DF3F51BA10A}">
+      <p15:sldGuideLst xmlns:p15="http://schemas.microsoft.com/office/powerpoint/2012/main"/>
+    </p:ext>
+  </p:extLst>
 </p:presentation>
 </file>
 
 <file path=ppt/revisionInfo.xml><?xml version="1.0" encoding="utf-8"?>
 <p1510:revInfo xmlns:a="http://schemas.openxmlformats.org/drawingml/2006/main" xmlns:r="http://schemas.openxmlformats.org/officeDocument/2006/relationships" xmlns:p1510="http://schemas.microsoft.com/office/powerpoint/2015/10/main">
   <p1510:revLst>
-    <p1510:client id="{5A7C4EB4-61E4-4919-8087-E21B93CCD594}" v="35" dt="2021-11-15T11:27:33.465"/>
+    <p1510:client id="{5A7C4EB4-61E4-4919-8087-E21B93CCD594}" v="41" dt="2021-11-17T10:03:20.239"/>
   </p1510:revLst>
 </p1510:revInfo>
 </file>
@@ -132,7 +140,7 @@
   <pc:docChgLst>
     <pc:chgData name="Stephen Kurniawan" userId="a0c00006-9aeb-4841-9245-95ee03cc7288" providerId="ADAL" clId="{5A7C4EB4-61E4-4919-8087-E21B93CCD594}"/>
     <pc:docChg chg="undo custSel addSld modSld sldOrd">
-      <pc:chgData name="Stephen Kurniawan" userId="a0c00006-9aeb-4841-9245-95ee03cc7288" providerId="ADAL" clId="{5A7C4EB4-61E4-4919-8087-E21B93CCD594}" dt="2021-11-15T11:27:50.782" v="196" actId="14100"/>
+      <pc:chgData name="Stephen Kurniawan" userId="a0c00006-9aeb-4841-9245-95ee03cc7288" providerId="ADAL" clId="{5A7C4EB4-61E4-4919-8087-E21B93CCD594}" dt="2021-11-17T10:03:25.931" v="250" actId="14100"/>
       <pc:docMkLst>
         <pc:docMk/>
       </pc:docMkLst>
@@ -748,6 +756,147 @@
           </ac:picMkLst>
         </pc:picChg>
       </pc:sldChg>
+      <pc:sldChg chg="addSp modSp new mod">
+        <pc:chgData name="Stephen Kurniawan" userId="a0c00006-9aeb-4841-9245-95ee03cc7288" providerId="ADAL" clId="{5A7C4EB4-61E4-4919-8087-E21B93CCD594}" dt="2021-11-17T09:47:17.274" v="204" actId="14100"/>
+        <pc:sldMkLst>
+          <pc:docMk/>
+          <pc:sldMk cId="2430990829" sldId="269"/>
+        </pc:sldMkLst>
+        <pc:spChg chg="add mod">
+          <ac:chgData name="Stephen Kurniawan" userId="a0c00006-9aeb-4841-9245-95ee03cc7288" providerId="ADAL" clId="{5A7C4EB4-61E4-4919-8087-E21B93CCD594}" dt="2021-11-17T09:47:09.881" v="201" actId="14100"/>
+          <ac:spMkLst>
+            <pc:docMk/>
+            <pc:sldMk cId="2430990829" sldId="269"/>
+            <ac:spMk id="6" creationId="{2BD9D977-2A90-48FA-ABB9-D75D82EC6798}"/>
+          </ac:spMkLst>
+        </pc:spChg>
+        <pc:spChg chg="add mod">
+          <ac:chgData name="Stephen Kurniawan" userId="a0c00006-9aeb-4841-9245-95ee03cc7288" providerId="ADAL" clId="{5A7C4EB4-61E4-4919-8087-E21B93CCD594}" dt="2021-11-17T09:47:17.274" v="204" actId="14100"/>
+          <ac:spMkLst>
+            <pc:docMk/>
+            <pc:sldMk cId="2430990829" sldId="269"/>
+            <ac:spMk id="7" creationId="{4DB18CE5-FEE5-42E0-BA13-AB9092C7CEAE}"/>
+          </ac:spMkLst>
+        </pc:spChg>
+        <pc:picChg chg="add">
+          <ac:chgData name="Stephen Kurniawan" userId="a0c00006-9aeb-4841-9245-95ee03cc7288" providerId="ADAL" clId="{5A7C4EB4-61E4-4919-8087-E21B93CCD594}" dt="2021-11-17T09:46:27.903" v="198" actId="22"/>
+          <ac:picMkLst>
+            <pc:docMk/>
+            <pc:sldMk cId="2430990829" sldId="269"/>
+            <ac:picMk id="5" creationId="{D2B3680A-C229-472E-94C8-FABD7E5F6869}"/>
+          </ac:picMkLst>
+        </pc:picChg>
+      </pc:sldChg>
+      <pc:sldChg chg="addSp delSp modSp new mod">
+        <pc:chgData name="Stephen Kurniawan" userId="a0c00006-9aeb-4841-9245-95ee03cc7288" providerId="ADAL" clId="{5A7C4EB4-61E4-4919-8087-E21B93CCD594}" dt="2021-11-17T09:57:44.535" v="235" actId="1076"/>
+        <pc:sldMkLst>
+          <pc:docMk/>
+          <pc:sldMk cId="1720172984" sldId="270"/>
+        </pc:sldMkLst>
+        <pc:spChg chg="del">
+          <ac:chgData name="Stephen Kurniawan" userId="a0c00006-9aeb-4841-9245-95ee03cc7288" providerId="ADAL" clId="{5A7C4EB4-61E4-4919-8087-E21B93CCD594}" dt="2021-11-17T09:57:34.636" v="231" actId="478"/>
+          <ac:spMkLst>
+            <pc:docMk/>
+            <pc:sldMk cId="1720172984" sldId="270"/>
+            <ac:spMk id="2" creationId="{CC2BFA3B-F15A-4D7B-B07A-4666C74CFEF5}"/>
+          </ac:spMkLst>
+        </pc:spChg>
+        <pc:spChg chg="del">
+          <ac:chgData name="Stephen Kurniawan" userId="a0c00006-9aeb-4841-9245-95ee03cc7288" providerId="ADAL" clId="{5A7C4EB4-61E4-4919-8087-E21B93CCD594}" dt="2021-11-17T09:57:35.645" v="232" actId="478"/>
+          <ac:spMkLst>
+            <pc:docMk/>
+            <pc:sldMk cId="1720172984" sldId="270"/>
+            <ac:spMk id="3" creationId="{DF4E9DF6-D09A-4519-A3AC-9FD0037A708F}"/>
+          </ac:spMkLst>
+        </pc:spChg>
+        <pc:spChg chg="add mod">
+          <ac:chgData name="Stephen Kurniawan" userId="a0c00006-9aeb-4841-9245-95ee03cc7288" providerId="ADAL" clId="{5A7C4EB4-61E4-4919-8087-E21B93CCD594}" dt="2021-11-17T09:57:44.535" v="235" actId="1076"/>
+          <ac:spMkLst>
+            <pc:docMk/>
+            <pc:sldMk cId="1720172984" sldId="270"/>
+            <ac:spMk id="6" creationId="{69768484-9CB1-48B0-AED5-F6463FA25E91}"/>
+          </ac:spMkLst>
+        </pc:spChg>
+        <pc:spChg chg="add del mod">
+          <ac:chgData name="Stephen Kurniawan" userId="a0c00006-9aeb-4841-9245-95ee03cc7288" providerId="ADAL" clId="{5A7C4EB4-61E4-4919-8087-E21B93CCD594}" dt="2021-11-17T09:55:34.030" v="223" actId="478"/>
+          <ac:spMkLst>
+            <pc:docMk/>
+            <pc:sldMk cId="1720172984" sldId="270"/>
+            <ac:spMk id="7" creationId="{047F2A85-0A9E-44E5-8DD4-75619068E0E5}"/>
+          </ac:spMkLst>
+        </pc:spChg>
+        <pc:spChg chg="add del">
+          <ac:chgData name="Stephen Kurniawan" userId="a0c00006-9aeb-4841-9245-95ee03cc7288" providerId="ADAL" clId="{5A7C4EB4-61E4-4919-8087-E21B93CCD594}" dt="2021-11-17T09:54:54.412" v="218" actId="11529"/>
+          <ac:spMkLst>
+            <pc:docMk/>
+            <pc:sldMk cId="1720172984" sldId="270"/>
+            <ac:spMk id="8" creationId="{4B06D6BC-9102-439D-B3F8-4849187A20C5}"/>
+          </ac:spMkLst>
+        </pc:spChg>
+        <pc:spChg chg="add mod">
+          <ac:chgData name="Stephen Kurniawan" userId="a0c00006-9aeb-4841-9245-95ee03cc7288" providerId="ADAL" clId="{5A7C4EB4-61E4-4919-8087-E21B93CCD594}" dt="2021-11-17T09:57:41.429" v="234" actId="14100"/>
+          <ac:spMkLst>
+            <pc:docMk/>
+            <pc:sldMk cId="1720172984" sldId="270"/>
+            <ac:spMk id="9" creationId="{10177F9B-D3CA-4525-8E12-397FC5F56676}"/>
+          </ac:spMkLst>
+        </pc:spChg>
+        <pc:picChg chg="add del mod">
+          <ac:chgData name="Stephen Kurniawan" userId="a0c00006-9aeb-4841-9245-95ee03cc7288" providerId="ADAL" clId="{5A7C4EB4-61E4-4919-8087-E21B93CCD594}" dt="2021-11-17T09:57:26.739" v="229" actId="478"/>
+          <ac:picMkLst>
+            <pc:docMk/>
+            <pc:sldMk cId="1720172984" sldId="270"/>
+            <ac:picMk id="5" creationId="{0FF03776-DB67-4096-AFFF-61622F17F4C0}"/>
+          </ac:picMkLst>
+        </pc:picChg>
+        <pc:picChg chg="add mod ord">
+          <ac:chgData name="Stephen Kurniawan" userId="a0c00006-9aeb-4841-9245-95ee03cc7288" providerId="ADAL" clId="{5A7C4EB4-61E4-4919-8087-E21B93CCD594}" dt="2021-11-17T09:57:31.443" v="230" actId="167"/>
+          <ac:picMkLst>
+            <pc:docMk/>
+            <pc:sldMk cId="1720172984" sldId="270"/>
+            <ac:picMk id="11" creationId="{1C76A250-822E-4BEC-ACB2-0B78013F5BB3}"/>
+          </ac:picMkLst>
+        </pc:picChg>
+      </pc:sldChg>
+      <pc:sldChg chg="addSp delSp modSp new mod">
+        <pc:chgData name="Stephen Kurniawan" userId="a0c00006-9aeb-4841-9245-95ee03cc7288" providerId="ADAL" clId="{5A7C4EB4-61E4-4919-8087-E21B93CCD594}" dt="2021-11-17T10:03:25.931" v="250" actId="14100"/>
+        <pc:sldMkLst>
+          <pc:docMk/>
+          <pc:sldMk cId="726942076" sldId="271"/>
+        </pc:sldMkLst>
+        <pc:spChg chg="add mod">
+          <ac:chgData name="Stephen Kurniawan" userId="a0c00006-9aeb-4841-9245-95ee03cc7288" providerId="ADAL" clId="{5A7C4EB4-61E4-4919-8087-E21B93CCD594}" dt="2021-11-17T10:03:19.414" v="247" actId="14100"/>
+          <ac:spMkLst>
+            <pc:docMk/>
+            <pc:sldMk cId="726942076" sldId="271"/>
+            <ac:spMk id="8" creationId="{1A4B02B6-EF9A-445E-8C4E-EB73D4603D5E}"/>
+          </ac:spMkLst>
+        </pc:spChg>
+        <pc:spChg chg="add mod">
+          <ac:chgData name="Stephen Kurniawan" userId="a0c00006-9aeb-4841-9245-95ee03cc7288" providerId="ADAL" clId="{5A7C4EB4-61E4-4919-8087-E21B93CCD594}" dt="2021-11-17T10:03:25.931" v="250" actId="14100"/>
+          <ac:spMkLst>
+            <pc:docMk/>
+            <pc:sldMk cId="726942076" sldId="271"/>
+            <ac:spMk id="9" creationId="{2BC4B481-C814-49DA-BF36-8DE2CA3ADDF5}"/>
+          </ac:spMkLst>
+        </pc:spChg>
+        <pc:picChg chg="add del">
+          <ac:chgData name="Stephen Kurniawan" userId="a0c00006-9aeb-4841-9245-95ee03cc7288" providerId="ADAL" clId="{5A7C4EB4-61E4-4919-8087-E21B93CCD594}" dt="2021-11-17T10:02:39.471" v="238" actId="478"/>
+          <ac:picMkLst>
+            <pc:docMk/>
+            <pc:sldMk cId="726942076" sldId="271"/>
+            <ac:picMk id="5" creationId="{5B7FA826-5EA8-496C-94E7-B70218093BE5}"/>
+          </ac:picMkLst>
+        </pc:picChg>
+        <pc:picChg chg="add mod">
+          <ac:chgData name="Stephen Kurniawan" userId="a0c00006-9aeb-4841-9245-95ee03cc7288" providerId="ADAL" clId="{5A7C4EB4-61E4-4919-8087-E21B93CCD594}" dt="2021-11-17T10:03:11.138" v="244" actId="1076"/>
+          <ac:picMkLst>
+            <pc:docMk/>
+            <pc:sldMk cId="726942076" sldId="271"/>
+            <ac:picMk id="7" creationId="{6C5F53EC-E34F-44E6-9D05-430D169670D6}"/>
+          </ac:picMkLst>
+        </pc:picChg>
+      </pc:sldChg>
     </pc:docChg>
   </pc:docChgLst>
 </pc:chgInfo>
@@ -1350,7 +1499,7 @@
           <a:p>
             <a:fld id="{48D52851-D9E1-4FFB-A2BB-E7517D5CFAC5}" type="datetimeFigureOut">
               <a:rPr lang="de-DE" smtClean="0"/>
-              <a:t>13.11.2021</a:t>
+              <a:t>17.11.2021</a:t>
             </a:fld>
             <a:endParaRPr lang="de-DE"/>
           </a:p>
@@ -1550,7 +1699,7 @@
           <a:p>
             <a:fld id="{48D52851-D9E1-4FFB-A2BB-E7517D5CFAC5}" type="datetimeFigureOut">
               <a:rPr lang="de-DE" smtClean="0"/>
-              <a:t>13.11.2021</a:t>
+              <a:t>17.11.2021</a:t>
             </a:fld>
             <a:endParaRPr lang="de-DE"/>
           </a:p>
@@ -1760,7 +1909,7 @@
           <a:p>
             <a:fld id="{48D52851-D9E1-4FFB-A2BB-E7517D5CFAC5}" type="datetimeFigureOut">
               <a:rPr lang="de-DE" smtClean="0"/>
-              <a:t>13.11.2021</a:t>
+              <a:t>17.11.2021</a:t>
             </a:fld>
             <a:endParaRPr lang="de-DE"/>
           </a:p>
@@ -1960,7 +2109,7 @@
           <a:p>
             <a:fld id="{48D52851-D9E1-4FFB-A2BB-E7517D5CFAC5}" type="datetimeFigureOut">
               <a:rPr lang="de-DE" smtClean="0"/>
-              <a:t>13.11.2021</a:t>
+              <a:t>17.11.2021</a:t>
             </a:fld>
             <a:endParaRPr lang="de-DE"/>
           </a:p>
@@ -2236,7 +2385,7 @@
           <a:p>
             <a:fld id="{48D52851-D9E1-4FFB-A2BB-E7517D5CFAC5}" type="datetimeFigureOut">
               <a:rPr lang="de-DE" smtClean="0"/>
-              <a:t>13.11.2021</a:t>
+              <a:t>17.11.2021</a:t>
             </a:fld>
             <a:endParaRPr lang="de-DE"/>
           </a:p>
@@ -2504,7 +2653,7 @@
           <a:p>
             <a:fld id="{48D52851-D9E1-4FFB-A2BB-E7517D5CFAC5}" type="datetimeFigureOut">
               <a:rPr lang="de-DE" smtClean="0"/>
-              <a:t>13.11.2021</a:t>
+              <a:t>17.11.2021</a:t>
             </a:fld>
             <a:endParaRPr lang="de-DE"/>
           </a:p>
@@ -2919,7 +3068,7 @@
           <a:p>
             <a:fld id="{48D52851-D9E1-4FFB-A2BB-E7517D5CFAC5}" type="datetimeFigureOut">
               <a:rPr lang="de-DE" smtClean="0"/>
-              <a:t>13.11.2021</a:t>
+              <a:t>17.11.2021</a:t>
             </a:fld>
             <a:endParaRPr lang="de-DE"/>
           </a:p>
@@ -3061,7 +3210,7 @@
           <a:p>
             <a:fld id="{48D52851-D9E1-4FFB-A2BB-E7517D5CFAC5}" type="datetimeFigureOut">
               <a:rPr lang="de-DE" smtClean="0"/>
-              <a:t>13.11.2021</a:t>
+              <a:t>17.11.2021</a:t>
             </a:fld>
             <a:endParaRPr lang="de-DE"/>
           </a:p>
@@ -3174,7 +3323,7 @@
           <a:p>
             <a:fld id="{48D52851-D9E1-4FFB-A2BB-E7517D5CFAC5}" type="datetimeFigureOut">
               <a:rPr lang="de-DE" smtClean="0"/>
-              <a:t>13.11.2021</a:t>
+              <a:t>17.11.2021</a:t>
             </a:fld>
             <a:endParaRPr lang="de-DE"/>
           </a:p>
@@ -3487,7 +3636,7 @@
           <a:p>
             <a:fld id="{48D52851-D9E1-4FFB-A2BB-E7517D5CFAC5}" type="datetimeFigureOut">
               <a:rPr lang="de-DE" smtClean="0"/>
-              <a:t>13.11.2021</a:t>
+              <a:t>17.11.2021</a:t>
             </a:fld>
             <a:endParaRPr lang="de-DE"/>
           </a:p>
@@ -3776,7 +3925,7 @@
           <a:p>
             <a:fld id="{48D52851-D9E1-4FFB-A2BB-E7517D5CFAC5}" type="datetimeFigureOut">
               <a:rPr lang="de-DE" smtClean="0"/>
-              <a:t>13.11.2021</a:t>
+              <a:t>17.11.2021</a:t>
             </a:fld>
             <a:endParaRPr lang="de-DE"/>
           </a:p>
@@ -4019,7 +4168,7 @@
           <a:p>
             <a:fld id="{48D52851-D9E1-4FFB-A2BB-E7517D5CFAC5}" type="datetimeFigureOut">
               <a:rPr lang="de-DE" smtClean="0"/>
-              <a:t>13.11.2021</a:t>
+              <a:t>17.11.2021</a:t>
             </a:fld>
             <a:endParaRPr lang="de-DE"/>
           </a:p>
@@ -4678,8 +4827,8 @@
           </a:prstGeom>
         </p:spPr>
       </p:pic>
-      <mc:AlternateContent xmlns:mc="http://schemas.openxmlformats.org/markup-compatibility/2006">
-        <mc:Choice xmlns:p14="http://schemas.microsoft.com/office/powerpoint/2010/main" Requires="p14">
+      <mc:AlternateContent xmlns:mc="http://schemas.openxmlformats.org/markup-compatibility/2006" xmlns:p14="http://schemas.microsoft.com/office/powerpoint/2010/main">
+        <mc:Choice Requires="p14">
           <p:contentPart p14:bwMode="auto" r:id="rId3">
             <p14:nvContentPartPr>
               <p14:cNvPr id="6" name="Ink 5">
@@ -4698,7 +4847,7 @@
             </p14:xfrm>
           </p:contentPart>
         </mc:Choice>
-        <mc:Fallback>
+        <mc:Fallback xmlns="">
           <p:pic>
             <p:nvPicPr>
               <p:cNvPr id="6" name="Ink 5">
@@ -4729,8 +4878,8 @@
           </p:pic>
         </mc:Fallback>
       </mc:AlternateContent>
-      <mc:AlternateContent xmlns:mc="http://schemas.openxmlformats.org/markup-compatibility/2006">
-        <mc:Choice xmlns:p14="http://schemas.microsoft.com/office/powerpoint/2010/main" Requires="p14">
+      <mc:AlternateContent xmlns:mc="http://schemas.openxmlformats.org/markup-compatibility/2006" xmlns:p14="http://schemas.microsoft.com/office/powerpoint/2010/main">
+        <mc:Choice Requires="p14">
           <p:contentPart p14:bwMode="auto" r:id="rId5">
             <p14:nvContentPartPr>
               <p14:cNvPr id="7" name="Ink 6">
@@ -4749,7 +4898,7 @@
             </p14:xfrm>
           </p:contentPart>
         </mc:Choice>
-        <mc:Fallback>
+        <mc:Fallback xmlns="">
           <p:pic>
             <p:nvPicPr>
               <p:cNvPr id="7" name="Ink 6">
@@ -4780,8 +4929,8 @@
           </p:pic>
         </mc:Fallback>
       </mc:AlternateContent>
-      <mc:AlternateContent xmlns:mc="http://schemas.openxmlformats.org/markup-compatibility/2006">
-        <mc:Choice xmlns:p14="http://schemas.microsoft.com/office/powerpoint/2010/main" Requires="p14">
+      <mc:AlternateContent xmlns:mc="http://schemas.openxmlformats.org/markup-compatibility/2006" xmlns:p14="http://schemas.microsoft.com/office/powerpoint/2010/main">
+        <mc:Choice Requires="p14">
           <p:contentPart p14:bwMode="auto" r:id="rId7">
             <p14:nvContentPartPr>
               <p14:cNvPr id="14" name="Ink 13">
@@ -4800,7 +4949,7 @@
             </p14:xfrm>
           </p:contentPart>
         </mc:Choice>
-        <mc:Fallback>
+        <mc:Fallback xmlns="">
           <p:pic>
             <p:nvPicPr>
               <p:cNvPr id="14" name="Ink 13">
@@ -4831,8 +4980,8 @@
           </p:pic>
         </mc:Fallback>
       </mc:AlternateContent>
-      <mc:AlternateContent xmlns:mc="http://schemas.openxmlformats.org/markup-compatibility/2006">
-        <mc:Choice xmlns:p14="http://schemas.microsoft.com/office/powerpoint/2010/main" Requires="p14">
+      <mc:AlternateContent xmlns:mc="http://schemas.openxmlformats.org/markup-compatibility/2006" xmlns:p14="http://schemas.microsoft.com/office/powerpoint/2010/main">
+        <mc:Choice Requires="p14">
           <p:contentPart p14:bwMode="auto" r:id="rId9">
             <p14:nvContentPartPr>
               <p14:cNvPr id="15" name="Ink 14">
@@ -4851,7 +5000,7 @@
             </p14:xfrm>
           </p:contentPart>
         </mc:Choice>
-        <mc:Fallback>
+        <mc:Fallback xmlns="">
           <p:pic>
             <p:nvPicPr>
               <p:cNvPr id="15" name="Ink 14">
@@ -4882,8 +5031,8 @@
           </p:pic>
         </mc:Fallback>
       </mc:AlternateContent>
-      <mc:AlternateContent xmlns:mc="http://schemas.openxmlformats.org/markup-compatibility/2006">
-        <mc:Choice xmlns:p14="http://schemas.microsoft.com/office/powerpoint/2010/main" Requires="p14">
+      <mc:AlternateContent xmlns:mc="http://schemas.openxmlformats.org/markup-compatibility/2006" xmlns:p14="http://schemas.microsoft.com/office/powerpoint/2010/main">
+        <mc:Choice Requires="p14">
           <p:contentPart p14:bwMode="auto" r:id="rId11">
             <p14:nvContentPartPr>
               <p14:cNvPr id="20" name="Ink 19">
@@ -4902,7 +5051,7 @@
             </p14:xfrm>
           </p:contentPart>
         </mc:Choice>
-        <mc:Fallback>
+        <mc:Fallback xmlns="">
           <p:pic>
             <p:nvPicPr>
               <p:cNvPr id="20" name="Ink 19">
@@ -4953,8 +5102,8 @@
             <a:chExt cx="1893960" cy="851040"/>
           </a:xfrm>
         </p:grpSpPr>
-        <mc:AlternateContent xmlns:mc="http://schemas.openxmlformats.org/markup-compatibility/2006">
-          <mc:Choice xmlns:p14="http://schemas.microsoft.com/office/powerpoint/2010/main" Requires="p14">
+        <mc:AlternateContent xmlns:mc="http://schemas.openxmlformats.org/markup-compatibility/2006" xmlns:p14="http://schemas.microsoft.com/office/powerpoint/2010/main">
+          <mc:Choice Requires="p14">
             <p:contentPart p14:bwMode="auto" r:id="rId13">
               <p14:nvContentPartPr>
                 <p14:cNvPr id="9" name="Ink 8">
@@ -4973,7 +5122,7 @@
               </p14:xfrm>
             </p:contentPart>
           </mc:Choice>
-          <mc:Fallback>
+          <mc:Fallback xmlns="">
             <p:pic>
               <p:nvPicPr>
                 <p:cNvPr id="9" name="Ink 8">
@@ -5004,8 +5153,8 @@
             </p:pic>
           </mc:Fallback>
         </mc:AlternateContent>
-        <mc:AlternateContent xmlns:mc="http://schemas.openxmlformats.org/markup-compatibility/2006">
-          <mc:Choice xmlns:p14="http://schemas.microsoft.com/office/powerpoint/2010/main" Requires="p14">
+        <mc:AlternateContent xmlns:mc="http://schemas.openxmlformats.org/markup-compatibility/2006" xmlns:p14="http://schemas.microsoft.com/office/powerpoint/2010/main">
+          <mc:Choice Requires="p14">
             <p:contentPart p14:bwMode="auto" r:id="rId15">
               <p14:nvContentPartPr>
                 <p14:cNvPr id="10" name="Ink 9">
@@ -5024,7 +5173,7 @@
               </p14:xfrm>
             </p:contentPart>
           </mc:Choice>
-          <mc:Fallback>
+          <mc:Fallback xmlns="">
             <p:pic>
               <p:nvPicPr>
                 <p:cNvPr id="10" name="Ink 9">
@@ -5055,8 +5204,8 @@
             </p:pic>
           </mc:Fallback>
         </mc:AlternateContent>
-        <mc:AlternateContent xmlns:mc="http://schemas.openxmlformats.org/markup-compatibility/2006">
-          <mc:Choice xmlns:p14="http://schemas.microsoft.com/office/powerpoint/2010/main" Requires="p14">
+        <mc:AlternateContent xmlns:mc="http://schemas.openxmlformats.org/markup-compatibility/2006" xmlns:p14="http://schemas.microsoft.com/office/powerpoint/2010/main">
+          <mc:Choice Requires="p14">
             <p:contentPart p14:bwMode="auto" r:id="rId17">
               <p14:nvContentPartPr>
                 <p14:cNvPr id="11" name="Ink 10">
@@ -5075,7 +5224,7 @@
               </p14:xfrm>
             </p:contentPart>
           </mc:Choice>
-          <mc:Fallback>
+          <mc:Fallback xmlns="">
             <p:pic>
               <p:nvPicPr>
                 <p:cNvPr id="11" name="Ink 10">
@@ -5106,8 +5255,8 @@
             </p:pic>
           </mc:Fallback>
         </mc:AlternateContent>
-        <mc:AlternateContent xmlns:mc="http://schemas.openxmlformats.org/markup-compatibility/2006">
-          <mc:Choice xmlns:p14="http://schemas.microsoft.com/office/powerpoint/2010/main" Requires="p14">
+        <mc:AlternateContent xmlns:mc="http://schemas.openxmlformats.org/markup-compatibility/2006" xmlns:p14="http://schemas.microsoft.com/office/powerpoint/2010/main">
+          <mc:Choice Requires="p14">
             <p:contentPart p14:bwMode="auto" r:id="rId19">
               <p14:nvContentPartPr>
                 <p14:cNvPr id="17" name="Ink 16">
@@ -5126,7 +5275,7 @@
               </p14:xfrm>
             </p:contentPart>
           </mc:Choice>
-          <mc:Fallback>
+          <mc:Fallback xmlns="">
             <p:pic>
               <p:nvPicPr>
                 <p:cNvPr id="17" name="Ink 16">
@@ -5157,8 +5306,8 @@
             </p:pic>
           </mc:Fallback>
         </mc:AlternateContent>
-        <mc:AlternateContent xmlns:mc="http://schemas.openxmlformats.org/markup-compatibility/2006">
-          <mc:Choice xmlns:p14="http://schemas.microsoft.com/office/powerpoint/2010/main" Requires="p14">
+        <mc:AlternateContent xmlns:mc="http://schemas.openxmlformats.org/markup-compatibility/2006" xmlns:p14="http://schemas.microsoft.com/office/powerpoint/2010/main">
+          <mc:Choice Requires="p14">
             <p:contentPart p14:bwMode="auto" r:id="rId21">
               <p14:nvContentPartPr>
                 <p14:cNvPr id="18" name="Ink 17">
@@ -5177,7 +5326,7 @@
               </p14:xfrm>
             </p:contentPart>
           </mc:Choice>
-          <mc:Fallback>
+          <mc:Fallback xmlns="">
             <p:pic>
               <p:nvPicPr>
                 <p:cNvPr id="18" name="Ink 17">
@@ -5208,8 +5357,8 @@
             </p:pic>
           </mc:Fallback>
         </mc:AlternateContent>
-        <mc:AlternateContent xmlns:mc="http://schemas.openxmlformats.org/markup-compatibility/2006">
-          <mc:Choice xmlns:p14="http://schemas.microsoft.com/office/powerpoint/2010/main" Requires="p14">
+        <mc:AlternateContent xmlns:mc="http://schemas.openxmlformats.org/markup-compatibility/2006" xmlns:p14="http://schemas.microsoft.com/office/powerpoint/2010/main">
+          <mc:Choice Requires="p14">
             <p:contentPart p14:bwMode="auto" r:id="rId23">
               <p14:nvContentPartPr>
                 <p14:cNvPr id="19" name="Ink 18">
@@ -5228,7 +5377,7 @@
               </p14:xfrm>
             </p:contentPart>
           </mc:Choice>
-          <mc:Fallback>
+          <mc:Fallback xmlns="">
             <p:pic>
               <p:nvPicPr>
                 <p:cNvPr id="19" name="Ink 18">
@@ -5259,8 +5408,8 @@
             </p:pic>
           </mc:Fallback>
         </mc:AlternateContent>
-        <mc:AlternateContent xmlns:mc="http://schemas.openxmlformats.org/markup-compatibility/2006">
-          <mc:Choice xmlns:p14="http://schemas.microsoft.com/office/powerpoint/2010/main" Requires="p14">
+        <mc:AlternateContent xmlns:mc="http://schemas.openxmlformats.org/markup-compatibility/2006" xmlns:p14="http://schemas.microsoft.com/office/powerpoint/2010/main">
+          <mc:Choice Requires="p14">
             <p:contentPart p14:bwMode="auto" r:id="rId25">
               <p14:nvContentPartPr>
                 <p14:cNvPr id="8" name="Ink 7">
@@ -5279,7 +5428,7 @@
               </p14:xfrm>
             </p:contentPart>
           </mc:Choice>
-          <mc:Fallback>
+          <mc:Fallback xmlns="">
             <p:pic>
               <p:nvPicPr>
                 <p:cNvPr id="8" name="Ink 7">
@@ -5310,8 +5459,8 @@
             </p:pic>
           </mc:Fallback>
         </mc:AlternateContent>
-        <mc:AlternateContent xmlns:mc="http://schemas.openxmlformats.org/markup-compatibility/2006">
-          <mc:Choice xmlns:p14="http://schemas.microsoft.com/office/powerpoint/2010/main" Requires="p14">
+        <mc:AlternateContent xmlns:mc="http://schemas.openxmlformats.org/markup-compatibility/2006" xmlns:p14="http://schemas.microsoft.com/office/powerpoint/2010/main">
+          <mc:Choice Requires="p14">
             <p:contentPart p14:bwMode="auto" r:id="rId27">
               <p14:nvContentPartPr>
                 <p14:cNvPr id="16" name="Ink 15">
@@ -5330,7 +5479,7 @@
               </p14:xfrm>
             </p:contentPart>
           </mc:Choice>
-          <mc:Fallback>
+          <mc:Fallback xmlns="">
             <p:pic>
               <p:nvPicPr>
                 <p:cNvPr id="16" name="Ink 15">
@@ -5361,8 +5510,8 @@
             </p:pic>
           </mc:Fallback>
         </mc:AlternateContent>
-        <mc:AlternateContent xmlns:mc="http://schemas.openxmlformats.org/markup-compatibility/2006">
-          <mc:Choice xmlns:p14="http://schemas.microsoft.com/office/powerpoint/2010/main" Requires="p14">
+        <mc:AlternateContent xmlns:mc="http://schemas.openxmlformats.org/markup-compatibility/2006" xmlns:p14="http://schemas.microsoft.com/office/powerpoint/2010/main">
+          <mc:Choice Requires="p14">
             <p:contentPart p14:bwMode="auto" r:id="rId29">
               <p14:nvContentPartPr>
                 <p14:cNvPr id="22" name="Ink 21">
@@ -5381,7 +5530,7 @@
               </p14:xfrm>
             </p:contentPart>
           </mc:Choice>
-          <mc:Fallback>
+          <mc:Fallback xmlns="">
             <p:pic>
               <p:nvPicPr>
                 <p:cNvPr id="22" name="Ink 21">
@@ -6261,6 +6410,598 @@
     <p:extLst>
       <p:ext uri="{BB962C8B-B14F-4D97-AF65-F5344CB8AC3E}">
         <p14:creationId xmlns:p14="http://schemas.microsoft.com/office/powerpoint/2010/main" val="900973394"/>
+      </p:ext>
+    </p:extLst>
+  </p:cSld>
+  <p:clrMapOvr>
+    <a:masterClrMapping/>
+  </p:clrMapOvr>
+</p:sld>
+</file>
+
+<file path=ppt/slides/slide14.xml><?xml version="1.0" encoding="utf-8"?>
+<p:sld xmlns:a="http://schemas.openxmlformats.org/drawingml/2006/main" xmlns:r="http://schemas.openxmlformats.org/officeDocument/2006/relationships" xmlns:p="http://schemas.openxmlformats.org/presentationml/2006/main">
+  <p:cSld>
+    <p:spTree>
+      <p:nvGrpSpPr>
+        <p:cNvPr id="1" name=""/>
+        <p:cNvGrpSpPr/>
+        <p:nvPr/>
+      </p:nvGrpSpPr>
+      <p:grpSpPr>
+        <a:xfrm>
+          <a:off x="0" y="0"/>
+          <a:ext cx="0" cy="0"/>
+          <a:chOff x="0" y="0"/>
+          <a:chExt cx="0" cy="0"/>
+        </a:xfrm>
+      </p:grpSpPr>
+      <p:sp>
+        <p:nvSpPr>
+          <p:cNvPr id="2" name="Title 1">
+            <a:extLst>
+              <a:ext uri="{FF2B5EF4-FFF2-40B4-BE49-F238E27FC236}">
+                <a16:creationId xmlns:a16="http://schemas.microsoft.com/office/drawing/2014/main" id="{B857FA17-971A-4D9C-8DC7-4543BD38F0FE}"/>
+              </a:ext>
+            </a:extLst>
+          </p:cNvPr>
+          <p:cNvSpPr>
+            <a:spLocks noGrp="1"/>
+          </p:cNvSpPr>
+          <p:nvPr>
+            <p:ph type="title"/>
+          </p:nvPr>
+        </p:nvSpPr>
+        <p:spPr/>
+        <p:txBody>
+          <a:bodyPr/>
+          <a:lstStyle/>
+          <a:p>
+            <a:endParaRPr lang="de-DE"/>
+          </a:p>
+        </p:txBody>
+      </p:sp>
+      <p:sp>
+        <p:nvSpPr>
+          <p:cNvPr id="3" name="Content Placeholder 2">
+            <a:extLst>
+              <a:ext uri="{FF2B5EF4-FFF2-40B4-BE49-F238E27FC236}">
+                <a16:creationId xmlns:a16="http://schemas.microsoft.com/office/drawing/2014/main" id="{DCE63B1A-A86E-430A-88DF-EACD194C7FA6}"/>
+              </a:ext>
+            </a:extLst>
+          </p:cNvPr>
+          <p:cNvSpPr>
+            <a:spLocks noGrp="1"/>
+          </p:cNvSpPr>
+          <p:nvPr>
+            <p:ph idx="1"/>
+          </p:nvPr>
+        </p:nvSpPr>
+        <p:spPr/>
+        <p:txBody>
+          <a:bodyPr/>
+          <a:lstStyle/>
+          <a:p>
+            <a:endParaRPr lang="de-DE"/>
+          </a:p>
+        </p:txBody>
+      </p:sp>
+      <p:pic>
+        <p:nvPicPr>
+          <p:cNvPr id="5" name="Picture 4">
+            <a:extLst>
+              <a:ext uri="{FF2B5EF4-FFF2-40B4-BE49-F238E27FC236}">
+                <a16:creationId xmlns:a16="http://schemas.microsoft.com/office/drawing/2014/main" id="{D2B3680A-C229-472E-94C8-FABD7E5F6869}"/>
+              </a:ext>
+            </a:extLst>
+          </p:cNvPr>
+          <p:cNvPicPr>
+            <a:picLocks noChangeAspect="1"/>
+          </p:cNvPicPr>
+          <p:nvPr/>
+        </p:nvPicPr>
+        <p:blipFill>
+          <a:blip r:embed="rId2"/>
+          <a:stretch>
+            <a:fillRect/>
+          </a:stretch>
+        </p:blipFill>
+        <p:spPr>
+          <a:xfrm>
+            <a:off x="5783" y="0"/>
+            <a:ext cx="12180433" cy="6858000"/>
+          </a:xfrm>
+          <a:prstGeom prst="rect">
+            <a:avLst/>
+          </a:prstGeom>
+        </p:spPr>
+      </p:pic>
+      <p:sp>
+        <p:nvSpPr>
+          <p:cNvPr id="6" name="Rectangle: Rounded Corners 5">
+            <a:extLst>
+              <a:ext uri="{FF2B5EF4-FFF2-40B4-BE49-F238E27FC236}">
+                <a16:creationId xmlns:a16="http://schemas.microsoft.com/office/drawing/2014/main" id="{2BD9D977-2A90-48FA-ABB9-D75D82EC6798}"/>
+              </a:ext>
+            </a:extLst>
+          </p:cNvPr>
+          <p:cNvSpPr/>
+          <p:nvPr/>
+        </p:nvSpPr>
+        <p:spPr>
+          <a:xfrm>
+            <a:off x="3460799" y="1731377"/>
+            <a:ext cx="4337159" cy="498763"/>
+          </a:xfrm>
+          <a:prstGeom prst="roundRect">
+            <a:avLst/>
+          </a:prstGeom>
+          <a:noFill/>
+          <a:ln w="38100">
+            <a:solidFill>
+              <a:srgbClr val="FF0000"/>
+            </a:solidFill>
+          </a:ln>
+        </p:spPr>
+        <p:style>
+          <a:lnRef idx="2">
+            <a:schemeClr val="accent1">
+              <a:shade val="50000"/>
+            </a:schemeClr>
+          </a:lnRef>
+          <a:fillRef idx="1">
+            <a:schemeClr val="accent1"/>
+          </a:fillRef>
+          <a:effectRef idx="0">
+            <a:schemeClr val="accent1"/>
+          </a:effectRef>
+          <a:fontRef idx="minor">
+            <a:schemeClr val="lt1"/>
+          </a:fontRef>
+        </p:style>
+        <p:txBody>
+          <a:bodyPr rtlCol="0" anchor="ctr"/>
+          <a:lstStyle/>
+          <a:p>
+            <a:pPr algn="ctr"/>
+            <a:endParaRPr lang="de-DE"/>
+          </a:p>
+        </p:txBody>
+      </p:sp>
+      <p:sp>
+        <p:nvSpPr>
+          <p:cNvPr id="7" name="Rectangle: Rounded Corners 6">
+            <a:extLst>
+              <a:ext uri="{FF2B5EF4-FFF2-40B4-BE49-F238E27FC236}">
+                <a16:creationId xmlns:a16="http://schemas.microsoft.com/office/drawing/2014/main" id="{4DB18CE5-FEE5-42E0-BA13-AB9092C7CEAE}"/>
+              </a:ext>
+            </a:extLst>
+          </p:cNvPr>
+          <p:cNvSpPr/>
+          <p:nvPr/>
+        </p:nvSpPr>
+        <p:spPr>
+          <a:xfrm>
+            <a:off x="2806709" y="4378479"/>
+            <a:ext cx="8205848" cy="1164716"/>
+          </a:xfrm>
+          <a:prstGeom prst="roundRect">
+            <a:avLst/>
+          </a:prstGeom>
+          <a:noFill/>
+          <a:ln w="38100">
+            <a:solidFill>
+              <a:srgbClr val="FF0000"/>
+            </a:solidFill>
+          </a:ln>
+        </p:spPr>
+        <p:style>
+          <a:lnRef idx="2">
+            <a:schemeClr val="accent1">
+              <a:shade val="50000"/>
+            </a:schemeClr>
+          </a:lnRef>
+          <a:fillRef idx="1">
+            <a:schemeClr val="accent1"/>
+          </a:fillRef>
+          <a:effectRef idx="0">
+            <a:schemeClr val="accent1"/>
+          </a:effectRef>
+          <a:fontRef idx="minor">
+            <a:schemeClr val="lt1"/>
+          </a:fontRef>
+        </p:style>
+        <p:txBody>
+          <a:bodyPr rtlCol="0" anchor="ctr"/>
+          <a:lstStyle/>
+          <a:p>
+            <a:pPr algn="ctr"/>
+            <a:endParaRPr lang="de-DE"/>
+          </a:p>
+        </p:txBody>
+      </p:sp>
+    </p:spTree>
+    <p:extLst>
+      <p:ext uri="{BB962C8B-B14F-4D97-AF65-F5344CB8AC3E}">
+        <p14:creationId xmlns:p14="http://schemas.microsoft.com/office/powerpoint/2010/main" val="2430990829"/>
+      </p:ext>
+    </p:extLst>
+  </p:cSld>
+  <p:clrMapOvr>
+    <a:masterClrMapping/>
+  </p:clrMapOvr>
+</p:sld>
+</file>
+
+<file path=ppt/slides/slide15.xml><?xml version="1.0" encoding="utf-8"?>
+<p:sld xmlns:a="http://schemas.openxmlformats.org/drawingml/2006/main" xmlns:r="http://schemas.openxmlformats.org/officeDocument/2006/relationships" xmlns:p="http://schemas.openxmlformats.org/presentationml/2006/main">
+  <p:cSld>
+    <p:spTree>
+      <p:nvGrpSpPr>
+        <p:cNvPr id="1" name=""/>
+        <p:cNvGrpSpPr/>
+        <p:nvPr/>
+      </p:nvGrpSpPr>
+      <p:grpSpPr>
+        <a:xfrm>
+          <a:off x="0" y="0"/>
+          <a:ext cx="0" cy="0"/>
+          <a:chOff x="0" y="0"/>
+          <a:chExt cx="0" cy="0"/>
+        </a:xfrm>
+      </p:grpSpPr>
+      <p:pic>
+        <p:nvPicPr>
+          <p:cNvPr id="11" name="Picture 10">
+            <a:extLst>
+              <a:ext uri="{FF2B5EF4-FFF2-40B4-BE49-F238E27FC236}">
+                <a16:creationId xmlns:a16="http://schemas.microsoft.com/office/drawing/2014/main" id="{1C76A250-822E-4BEC-ACB2-0B78013F5BB3}"/>
+              </a:ext>
+            </a:extLst>
+          </p:cNvPr>
+          <p:cNvPicPr>
+            <a:picLocks noChangeAspect="1"/>
+          </p:cNvPicPr>
+          <p:nvPr/>
+        </p:nvPicPr>
+        <p:blipFill>
+          <a:blip r:embed="rId2"/>
+          <a:stretch>
+            <a:fillRect/>
+          </a:stretch>
+        </p:blipFill>
+        <p:spPr>
+          <a:xfrm>
+            <a:off x="206253" y="0"/>
+            <a:ext cx="5827374" cy="6858000"/>
+          </a:xfrm>
+          <a:prstGeom prst="rect">
+            <a:avLst/>
+          </a:prstGeom>
+        </p:spPr>
+      </p:pic>
+      <p:sp>
+        <p:nvSpPr>
+          <p:cNvPr id="6" name="Rectangle: Rounded Corners 5">
+            <a:extLst>
+              <a:ext uri="{FF2B5EF4-FFF2-40B4-BE49-F238E27FC236}">
+                <a16:creationId xmlns:a16="http://schemas.microsoft.com/office/drawing/2014/main" id="{69768484-9CB1-48B0-AED5-F6463FA25E91}"/>
+              </a:ext>
+            </a:extLst>
+          </p:cNvPr>
+          <p:cNvSpPr/>
+          <p:nvPr/>
+        </p:nvSpPr>
+        <p:spPr>
+          <a:xfrm>
+            <a:off x="763035" y="455998"/>
+            <a:ext cx="2548115" cy="315912"/>
+          </a:xfrm>
+          <a:prstGeom prst="roundRect">
+            <a:avLst/>
+          </a:prstGeom>
+          <a:noFill/>
+          <a:ln w="38100">
+            <a:solidFill>
+              <a:srgbClr val="FF0000"/>
+            </a:solidFill>
+          </a:ln>
+        </p:spPr>
+        <p:style>
+          <a:lnRef idx="2">
+            <a:schemeClr val="accent1">
+              <a:shade val="50000"/>
+            </a:schemeClr>
+          </a:lnRef>
+          <a:fillRef idx="1">
+            <a:schemeClr val="accent1"/>
+          </a:fillRef>
+          <a:effectRef idx="0">
+            <a:schemeClr val="accent1"/>
+          </a:effectRef>
+          <a:fontRef idx="minor">
+            <a:schemeClr val="lt1"/>
+          </a:fontRef>
+        </p:style>
+        <p:txBody>
+          <a:bodyPr rtlCol="0" anchor="ctr"/>
+          <a:lstStyle/>
+          <a:p>
+            <a:pPr algn="ctr"/>
+            <a:endParaRPr lang="de-DE"/>
+          </a:p>
+        </p:txBody>
+      </p:sp>
+      <p:sp>
+        <p:nvSpPr>
+          <p:cNvPr id="9" name="Rectangle 8">
+            <a:extLst>
+              <a:ext uri="{FF2B5EF4-FFF2-40B4-BE49-F238E27FC236}">
+                <a16:creationId xmlns:a16="http://schemas.microsoft.com/office/drawing/2014/main" id="{10177F9B-D3CA-4525-8E12-397FC5F56676}"/>
+              </a:ext>
+            </a:extLst>
+          </p:cNvPr>
+          <p:cNvSpPr/>
+          <p:nvPr/>
+        </p:nvSpPr>
+        <p:spPr>
+          <a:xfrm>
+            <a:off x="318051" y="1453953"/>
+            <a:ext cx="5452324" cy="5230822"/>
+          </a:xfrm>
+          <a:prstGeom prst="rect">
+            <a:avLst/>
+          </a:prstGeom>
+          <a:noFill/>
+          <a:ln w="38100">
+            <a:solidFill>
+              <a:srgbClr val="FF0000"/>
+            </a:solidFill>
+          </a:ln>
+        </p:spPr>
+        <p:style>
+          <a:lnRef idx="2">
+            <a:schemeClr val="accent1">
+              <a:shade val="50000"/>
+            </a:schemeClr>
+          </a:lnRef>
+          <a:fillRef idx="1">
+            <a:schemeClr val="accent1"/>
+          </a:fillRef>
+          <a:effectRef idx="0">
+            <a:schemeClr val="accent1"/>
+          </a:effectRef>
+          <a:fontRef idx="minor">
+            <a:schemeClr val="lt1"/>
+          </a:fontRef>
+        </p:style>
+        <p:txBody>
+          <a:bodyPr rtlCol="0" anchor="ctr"/>
+          <a:lstStyle/>
+          <a:p>
+            <a:pPr algn="ctr"/>
+            <a:endParaRPr lang="de-DE"/>
+          </a:p>
+        </p:txBody>
+      </p:sp>
+    </p:spTree>
+    <p:extLst>
+      <p:ext uri="{BB962C8B-B14F-4D97-AF65-F5344CB8AC3E}">
+        <p14:creationId xmlns:p14="http://schemas.microsoft.com/office/powerpoint/2010/main" val="1720172984"/>
+      </p:ext>
+    </p:extLst>
+  </p:cSld>
+  <p:clrMapOvr>
+    <a:masterClrMapping/>
+  </p:clrMapOvr>
+</p:sld>
+</file>
+
+<file path=ppt/slides/slide16.xml><?xml version="1.0" encoding="utf-8"?>
+<p:sld xmlns:a="http://schemas.openxmlformats.org/drawingml/2006/main" xmlns:r="http://schemas.openxmlformats.org/officeDocument/2006/relationships" xmlns:p="http://schemas.openxmlformats.org/presentationml/2006/main">
+  <p:cSld>
+    <p:spTree>
+      <p:nvGrpSpPr>
+        <p:cNvPr id="1" name=""/>
+        <p:cNvGrpSpPr/>
+        <p:nvPr/>
+      </p:nvGrpSpPr>
+      <p:grpSpPr>
+        <a:xfrm>
+          <a:off x="0" y="0"/>
+          <a:ext cx="0" cy="0"/>
+          <a:chOff x="0" y="0"/>
+          <a:chExt cx="0" cy="0"/>
+        </a:xfrm>
+      </p:grpSpPr>
+      <p:sp>
+        <p:nvSpPr>
+          <p:cNvPr id="2" name="Title 1">
+            <a:extLst>
+              <a:ext uri="{FF2B5EF4-FFF2-40B4-BE49-F238E27FC236}">
+                <a16:creationId xmlns:a16="http://schemas.microsoft.com/office/drawing/2014/main" id="{FD6F462B-AAD6-43CA-ABD3-7F241CAF2364}"/>
+              </a:ext>
+            </a:extLst>
+          </p:cNvPr>
+          <p:cNvSpPr>
+            <a:spLocks noGrp="1"/>
+          </p:cNvSpPr>
+          <p:nvPr>
+            <p:ph type="title"/>
+          </p:nvPr>
+        </p:nvSpPr>
+        <p:spPr/>
+        <p:txBody>
+          <a:bodyPr/>
+          <a:lstStyle/>
+          <a:p>
+            <a:endParaRPr lang="de-DE"/>
+          </a:p>
+        </p:txBody>
+      </p:sp>
+      <p:sp>
+        <p:nvSpPr>
+          <p:cNvPr id="3" name="Content Placeholder 2">
+            <a:extLst>
+              <a:ext uri="{FF2B5EF4-FFF2-40B4-BE49-F238E27FC236}">
+                <a16:creationId xmlns:a16="http://schemas.microsoft.com/office/drawing/2014/main" id="{41CB6106-B2B5-4A48-B23D-DA26C750B922}"/>
+              </a:ext>
+            </a:extLst>
+          </p:cNvPr>
+          <p:cNvSpPr>
+            <a:spLocks noGrp="1"/>
+          </p:cNvSpPr>
+          <p:nvPr>
+            <p:ph idx="1"/>
+          </p:nvPr>
+        </p:nvSpPr>
+        <p:spPr/>
+        <p:txBody>
+          <a:bodyPr/>
+          <a:lstStyle/>
+          <a:p>
+            <a:endParaRPr lang="de-DE"/>
+          </a:p>
+        </p:txBody>
+      </p:sp>
+      <p:pic>
+        <p:nvPicPr>
+          <p:cNvPr id="7" name="Picture 6">
+            <a:extLst>
+              <a:ext uri="{FF2B5EF4-FFF2-40B4-BE49-F238E27FC236}">
+                <a16:creationId xmlns:a16="http://schemas.microsoft.com/office/drawing/2014/main" id="{6C5F53EC-E34F-44E6-9D05-430D169670D6}"/>
+              </a:ext>
+            </a:extLst>
+          </p:cNvPr>
+          <p:cNvPicPr>
+            <a:picLocks noChangeAspect="1"/>
+          </p:cNvPicPr>
+          <p:nvPr/>
+        </p:nvPicPr>
+        <p:blipFill>
+          <a:blip r:embed="rId2"/>
+          <a:stretch>
+            <a:fillRect/>
+          </a:stretch>
+        </p:blipFill>
+        <p:spPr>
+          <a:xfrm>
+            <a:off x="3049029" y="0"/>
+            <a:ext cx="6093942" cy="6858000"/>
+          </a:xfrm>
+          <a:prstGeom prst="rect">
+            <a:avLst/>
+          </a:prstGeom>
+        </p:spPr>
+      </p:pic>
+      <p:sp>
+        <p:nvSpPr>
+          <p:cNvPr id="8" name="Rectangle: Rounded Corners 7">
+            <a:extLst>
+              <a:ext uri="{FF2B5EF4-FFF2-40B4-BE49-F238E27FC236}">
+                <a16:creationId xmlns:a16="http://schemas.microsoft.com/office/drawing/2014/main" id="{1A4B02B6-EF9A-445E-8C4E-EB73D4603D5E}"/>
+              </a:ext>
+            </a:extLst>
+          </p:cNvPr>
+          <p:cNvSpPr/>
+          <p:nvPr/>
+        </p:nvSpPr>
+        <p:spPr>
+          <a:xfrm>
+            <a:off x="3580069" y="230189"/>
+            <a:ext cx="2656025" cy="405916"/>
+          </a:xfrm>
+          <a:prstGeom prst="roundRect">
+            <a:avLst/>
+          </a:prstGeom>
+          <a:noFill/>
+          <a:ln w="38100">
+            <a:solidFill>
+              <a:srgbClr val="FF0000"/>
+            </a:solidFill>
+          </a:ln>
+        </p:spPr>
+        <p:style>
+          <a:lnRef idx="2">
+            <a:schemeClr val="accent1">
+              <a:shade val="50000"/>
+            </a:schemeClr>
+          </a:lnRef>
+          <a:fillRef idx="1">
+            <a:schemeClr val="accent1"/>
+          </a:fillRef>
+          <a:effectRef idx="0">
+            <a:schemeClr val="accent1"/>
+          </a:effectRef>
+          <a:fontRef idx="minor">
+            <a:schemeClr val="lt1"/>
+          </a:fontRef>
+        </p:style>
+        <p:txBody>
+          <a:bodyPr rtlCol="0" anchor="ctr"/>
+          <a:lstStyle/>
+          <a:p>
+            <a:pPr algn="ctr"/>
+            <a:endParaRPr lang="de-DE"/>
+          </a:p>
+        </p:txBody>
+      </p:sp>
+      <p:sp>
+        <p:nvSpPr>
+          <p:cNvPr id="9" name="Rectangle: Rounded Corners 8">
+            <a:extLst>
+              <a:ext uri="{FF2B5EF4-FFF2-40B4-BE49-F238E27FC236}">
+                <a16:creationId xmlns:a16="http://schemas.microsoft.com/office/drawing/2014/main" id="{2BC4B481-C814-49DA-BF36-8DE2CA3ADDF5}"/>
+              </a:ext>
+            </a:extLst>
+          </p:cNvPr>
+          <p:cNvSpPr/>
+          <p:nvPr/>
+        </p:nvSpPr>
+        <p:spPr>
+          <a:xfrm>
+            <a:off x="3158840" y="1424442"/>
+            <a:ext cx="5814775" cy="1915106"/>
+          </a:xfrm>
+          <a:prstGeom prst="roundRect">
+            <a:avLst/>
+          </a:prstGeom>
+          <a:noFill/>
+          <a:ln w="38100">
+            <a:solidFill>
+              <a:srgbClr val="FF0000"/>
+            </a:solidFill>
+          </a:ln>
+        </p:spPr>
+        <p:style>
+          <a:lnRef idx="2">
+            <a:schemeClr val="accent1">
+              <a:shade val="50000"/>
+            </a:schemeClr>
+          </a:lnRef>
+          <a:fillRef idx="1">
+            <a:schemeClr val="accent1"/>
+          </a:fillRef>
+          <a:effectRef idx="0">
+            <a:schemeClr val="accent1"/>
+          </a:effectRef>
+          <a:fontRef idx="minor">
+            <a:schemeClr val="lt1"/>
+          </a:fontRef>
+        </p:style>
+        <p:txBody>
+          <a:bodyPr rtlCol="0" anchor="ctr"/>
+          <a:lstStyle/>
+          <a:p>
+            <a:pPr algn="ctr"/>
+            <a:endParaRPr lang="de-DE"/>
+          </a:p>
+        </p:txBody>
+      </p:sp>
+    </p:spTree>
+    <p:extLst>
+      <p:ext uri="{BB962C8B-B14F-4D97-AF65-F5344CB8AC3E}">
+        <p14:creationId xmlns:p14="http://schemas.microsoft.com/office/powerpoint/2010/main" val="726942076"/>
       </p:ext>
     </p:extLst>
   </p:cSld>
